--- a/Modppt.pptx
+++ b/Modppt.pptx
@@ -244,7 +244,7 @@
           <a:p>
             <a:fld id="{E7B942C2-8629-41EB-9B36-9685E5014774}" type="datetimeFigureOut">
               <a:rPr lang="zh-CN" altLang="en-US" smtClean="0"/>
-              <a:t>2020-09-07</a:t>
+              <a:t>2020-09-12</a:t>
             </a:fld>
             <a:endParaRPr lang="zh-CN" altLang="en-US"/>
           </a:p>
@@ -414,7 +414,7 @@
           <a:p>
             <a:fld id="{E7B942C2-8629-41EB-9B36-9685E5014774}" type="datetimeFigureOut">
               <a:rPr lang="zh-CN" altLang="en-US" smtClean="0"/>
-              <a:t>2020-09-07</a:t>
+              <a:t>2020-09-12</a:t>
             </a:fld>
             <a:endParaRPr lang="zh-CN" altLang="en-US"/>
           </a:p>
@@ -594,7 +594,7 @@
           <a:p>
             <a:fld id="{E7B942C2-8629-41EB-9B36-9685E5014774}" type="datetimeFigureOut">
               <a:rPr lang="zh-CN" altLang="en-US" smtClean="0"/>
-              <a:t>2020-09-07</a:t>
+              <a:t>2020-09-12</a:t>
             </a:fld>
             <a:endParaRPr lang="zh-CN" altLang="en-US"/>
           </a:p>
@@ -764,7 +764,7 @@
           <a:p>
             <a:fld id="{E7B942C2-8629-41EB-9B36-9685E5014774}" type="datetimeFigureOut">
               <a:rPr lang="zh-CN" altLang="en-US" smtClean="0"/>
-              <a:t>2020-09-07</a:t>
+              <a:t>2020-09-12</a:t>
             </a:fld>
             <a:endParaRPr lang="zh-CN" altLang="en-US"/>
           </a:p>
@@ -1008,7 +1008,7 @@
           <a:p>
             <a:fld id="{E7B942C2-8629-41EB-9B36-9685E5014774}" type="datetimeFigureOut">
               <a:rPr lang="zh-CN" altLang="en-US" smtClean="0"/>
-              <a:t>2020-09-07</a:t>
+              <a:t>2020-09-12</a:t>
             </a:fld>
             <a:endParaRPr lang="zh-CN" altLang="en-US"/>
           </a:p>
@@ -1240,7 +1240,7 @@
           <a:p>
             <a:fld id="{E7B942C2-8629-41EB-9B36-9685E5014774}" type="datetimeFigureOut">
               <a:rPr lang="zh-CN" altLang="en-US" smtClean="0"/>
-              <a:t>2020-09-07</a:t>
+              <a:t>2020-09-12</a:t>
             </a:fld>
             <a:endParaRPr lang="zh-CN" altLang="en-US"/>
           </a:p>
@@ -1607,7 +1607,7 @@
           <a:p>
             <a:fld id="{E7B942C2-8629-41EB-9B36-9685E5014774}" type="datetimeFigureOut">
               <a:rPr lang="zh-CN" altLang="en-US" smtClean="0"/>
-              <a:t>2020-09-07</a:t>
+              <a:t>2020-09-12</a:t>
             </a:fld>
             <a:endParaRPr lang="zh-CN" altLang="en-US"/>
           </a:p>
@@ -1725,7 +1725,7 @@
           <a:p>
             <a:fld id="{E7B942C2-8629-41EB-9B36-9685E5014774}" type="datetimeFigureOut">
               <a:rPr lang="zh-CN" altLang="en-US" smtClean="0"/>
-              <a:t>2020-09-07</a:t>
+              <a:t>2020-09-12</a:t>
             </a:fld>
             <a:endParaRPr lang="zh-CN" altLang="en-US"/>
           </a:p>
@@ -1820,7 +1820,7 @@
           <a:p>
             <a:fld id="{E7B942C2-8629-41EB-9B36-9685E5014774}" type="datetimeFigureOut">
               <a:rPr lang="zh-CN" altLang="en-US" smtClean="0"/>
-              <a:t>2020-09-07</a:t>
+              <a:t>2020-09-12</a:t>
             </a:fld>
             <a:endParaRPr lang="zh-CN" altLang="en-US"/>
           </a:p>
@@ -2097,7 +2097,7 @@
           <a:p>
             <a:fld id="{E7B942C2-8629-41EB-9B36-9685E5014774}" type="datetimeFigureOut">
               <a:rPr lang="zh-CN" altLang="en-US" smtClean="0"/>
-              <a:t>2020-09-07</a:t>
+              <a:t>2020-09-12</a:t>
             </a:fld>
             <a:endParaRPr lang="zh-CN" altLang="en-US"/>
           </a:p>
@@ -2354,7 +2354,7 @@
           <a:p>
             <a:fld id="{E7B942C2-8629-41EB-9B36-9685E5014774}" type="datetimeFigureOut">
               <a:rPr lang="zh-CN" altLang="en-US" smtClean="0"/>
-              <a:t>2020-09-07</a:t>
+              <a:t>2020-09-12</a:t>
             </a:fld>
             <a:endParaRPr lang="zh-CN" altLang="en-US"/>
           </a:p>
@@ -2567,7 +2567,7 @@
           <a:p>
             <a:fld id="{E7B942C2-8629-41EB-9B36-9685E5014774}" type="datetimeFigureOut">
               <a:rPr lang="zh-CN" altLang="en-US" smtClean="0"/>
-              <a:t>2020-09-07</a:t>
+              <a:t>2020-09-12</a:t>
             </a:fld>
             <a:endParaRPr lang="zh-CN" altLang="en-US"/>
           </a:p>
@@ -2996,7 +2996,7 @@
         </p:nvSpPr>
         <p:spPr>
           <a:xfrm>
-            <a:off x="1843407" y="2523992"/>
+            <a:off x="1878576" y="2353744"/>
             <a:ext cx="3900531" cy="1107996"/>
           </a:xfrm>
           <a:prstGeom prst="rect">
@@ -3040,7 +3040,7 @@
         </p:nvSpPr>
         <p:spPr>
           <a:xfrm>
-            <a:off x="4354032" y="3541898"/>
+            <a:off x="4572000" y="3311065"/>
             <a:ext cx="1311541" cy="461665"/>
           </a:xfrm>
           <a:prstGeom prst="rect">
@@ -3212,6 +3212,50 @@
           </a:prstGeom>
         </p:spPr>
       </p:pic>
+      <p:sp>
+        <p:nvSpPr>
+          <p:cNvPr id="2" name="文本框 1">
+            <a:extLst>
+              <a:ext uri="{FF2B5EF4-FFF2-40B4-BE49-F238E27FC236}">
+                <a16:creationId xmlns:a16="http://schemas.microsoft.com/office/drawing/2014/main" id="{18DE3C5F-E9DE-45FB-BE95-D7670917EB4B}"/>
+              </a:ext>
+            </a:extLst>
+          </p:cNvPr>
+          <p:cNvSpPr txBox="1"/>
+          <p:nvPr/>
+        </p:nvSpPr>
+        <p:spPr>
+          <a:xfrm>
+            <a:off x="55457" y="4472119"/>
+            <a:ext cx="6050756" cy="646331"/>
+          </a:xfrm>
+          <a:prstGeom prst="rect">
+            <a:avLst/>
+          </a:prstGeom>
+          <a:noFill/>
+        </p:spPr>
+        <p:txBody>
+          <a:bodyPr wrap="square" rtlCol="0">
+            <a:spAutoFit/>
+          </a:bodyPr>
+          <a:lstStyle/>
+          <a:p>
+            <a:r>
+              <a:rPr lang="en-US" altLang="zh-CN" sz="3600" dirty="0">
+                <a:solidFill>
+                  <a:srgbClr val="FFFF00"/>
+                </a:solidFill>
+              </a:rPr>
+              <a:t>9.12update: Take specific title</a:t>
+            </a:r>
+            <a:endParaRPr lang="zh-CN" altLang="en-US" sz="3600" dirty="0">
+              <a:solidFill>
+                <a:srgbClr val="FFFF00"/>
+              </a:solidFill>
+            </a:endParaRPr>
+          </a:p>
+        </p:txBody>
+      </p:sp>
     </p:spTree>
     <p:extLst>
       <p:ext uri="{BB962C8B-B14F-4D97-AF65-F5344CB8AC3E}">

--- a/Modppt.pptx
+++ b/Modppt.pptx
@@ -244,7 +244,7 @@
           <a:p>
             <a:fld id="{E7B942C2-8629-41EB-9B36-9685E5014774}" type="datetimeFigureOut">
               <a:rPr lang="zh-CN" altLang="en-US" smtClean="0"/>
-              <a:t>2020-09-12</a:t>
+              <a:t>2020-09-29</a:t>
             </a:fld>
             <a:endParaRPr lang="zh-CN" altLang="en-US"/>
           </a:p>
@@ -414,7 +414,7 @@
           <a:p>
             <a:fld id="{E7B942C2-8629-41EB-9B36-9685E5014774}" type="datetimeFigureOut">
               <a:rPr lang="zh-CN" altLang="en-US" smtClean="0"/>
-              <a:t>2020-09-12</a:t>
+              <a:t>2020-09-29</a:t>
             </a:fld>
             <a:endParaRPr lang="zh-CN" altLang="en-US"/>
           </a:p>
@@ -594,7 +594,7 @@
           <a:p>
             <a:fld id="{E7B942C2-8629-41EB-9B36-9685E5014774}" type="datetimeFigureOut">
               <a:rPr lang="zh-CN" altLang="en-US" smtClean="0"/>
-              <a:t>2020-09-12</a:t>
+              <a:t>2020-09-29</a:t>
             </a:fld>
             <a:endParaRPr lang="zh-CN" altLang="en-US"/>
           </a:p>
@@ -764,7 +764,7 @@
           <a:p>
             <a:fld id="{E7B942C2-8629-41EB-9B36-9685E5014774}" type="datetimeFigureOut">
               <a:rPr lang="zh-CN" altLang="en-US" smtClean="0"/>
-              <a:t>2020-09-12</a:t>
+              <a:t>2020-09-29</a:t>
             </a:fld>
             <a:endParaRPr lang="zh-CN" altLang="en-US"/>
           </a:p>
@@ -1008,7 +1008,7 @@
           <a:p>
             <a:fld id="{E7B942C2-8629-41EB-9B36-9685E5014774}" type="datetimeFigureOut">
               <a:rPr lang="zh-CN" altLang="en-US" smtClean="0"/>
-              <a:t>2020-09-12</a:t>
+              <a:t>2020-09-29</a:t>
             </a:fld>
             <a:endParaRPr lang="zh-CN" altLang="en-US"/>
           </a:p>
@@ -1240,7 +1240,7 @@
           <a:p>
             <a:fld id="{E7B942C2-8629-41EB-9B36-9685E5014774}" type="datetimeFigureOut">
               <a:rPr lang="zh-CN" altLang="en-US" smtClean="0"/>
-              <a:t>2020-09-12</a:t>
+              <a:t>2020-09-29</a:t>
             </a:fld>
             <a:endParaRPr lang="zh-CN" altLang="en-US"/>
           </a:p>
@@ -1607,7 +1607,7 @@
           <a:p>
             <a:fld id="{E7B942C2-8629-41EB-9B36-9685E5014774}" type="datetimeFigureOut">
               <a:rPr lang="zh-CN" altLang="en-US" smtClean="0"/>
-              <a:t>2020-09-12</a:t>
+              <a:t>2020-09-29</a:t>
             </a:fld>
             <a:endParaRPr lang="zh-CN" altLang="en-US"/>
           </a:p>
@@ -1725,7 +1725,7 @@
           <a:p>
             <a:fld id="{E7B942C2-8629-41EB-9B36-9685E5014774}" type="datetimeFigureOut">
               <a:rPr lang="zh-CN" altLang="en-US" smtClean="0"/>
-              <a:t>2020-09-12</a:t>
+              <a:t>2020-09-29</a:t>
             </a:fld>
             <a:endParaRPr lang="zh-CN" altLang="en-US"/>
           </a:p>
@@ -1820,7 +1820,7 @@
           <a:p>
             <a:fld id="{E7B942C2-8629-41EB-9B36-9685E5014774}" type="datetimeFigureOut">
               <a:rPr lang="zh-CN" altLang="en-US" smtClean="0"/>
-              <a:t>2020-09-12</a:t>
+              <a:t>2020-09-29</a:t>
             </a:fld>
             <a:endParaRPr lang="zh-CN" altLang="en-US"/>
           </a:p>
@@ -2097,7 +2097,7 @@
           <a:p>
             <a:fld id="{E7B942C2-8629-41EB-9B36-9685E5014774}" type="datetimeFigureOut">
               <a:rPr lang="zh-CN" altLang="en-US" smtClean="0"/>
-              <a:t>2020-09-12</a:t>
+              <a:t>2020-09-29</a:t>
             </a:fld>
             <a:endParaRPr lang="zh-CN" altLang="en-US"/>
           </a:p>
@@ -2354,7 +2354,7 @@
           <a:p>
             <a:fld id="{E7B942C2-8629-41EB-9B36-9685E5014774}" type="datetimeFigureOut">
               <a:rPr lang="zh-CN" altLang="en-US" smtClean="0"/>
-              <a:t>2020-09-12</a:t>
+              <a:t>2020-09-29</a:t>
             </a:fld>
             <a:endParaRPr lang="zh-CN" altLang="en-US"/>
           </a:p>
@@ -2567,7 +2567,7 @@
           <a:p>
             <a:fld id="{E7B942C2-8629-41EB-9B36-9685E5014774}" type="datetimeFigureOut">
               <a:rPr lang="zh-CN" altLang="en-US" smtClean="0"/>
-              <a:t>2020-09-12</a:t>
+              <a:t>2020-09-29</a:t>
             </a:fld>
             <a:endParaRPr lang="zh-CN" altLang="en-US"/>
           </a:p>
@@ -3226,8 +3226,8 @@
         </p:nvSpPr>
         <p:spPr>
           <a:xfrm>
-            <a:off x="55457" y="4472119"/>
-            <a:ext cx="6050756" cy="646331"/>
+            <a:off x="55457" y="3999620"/>
+            <a:ext cx="6050756" cy="1200329"/>
           </a:xfrm>
           <a:prstGeom prst="rect">
             <a:avLst/>
@@ -3247,6 +3247,16 @@
                 </a:solidFill>
               </a:rPr>
               <a:t>9.12update: Take specific title</a:t>
+            </a:r>
+          </a:p>
+          <a:p>
+            <a:r>
+              <a:rPr lang="en-US" altLang="zh-CN" sz="3600">
+                <a:solidFill>
+                  <a:srgbClr val="FFFF00"/>
+                </a:solidFill>
+              </a:rPr>
+              <a:t>Updated for v1.1</a:t>
             </a:r>
             <a:endParaRPr lang="zh-CN" altLang="en-US" sz="3600" dirty="0">
               <a:solidFill>
